--- a/Quick Start architecture diagram.pptx
+++ b/Quick Start architecture diagram.pptx
@@ -121,10 +121,6 @@
 </p:presentation>
 </file>
 
-<file path=ppt/revisionInfo.xml><?xml version="1.0" encoding="utf-8"?>
-<p1510:revInfo xmlns:a="http://schemas.openxmlformats.org/drawingml/2006/main" xmlns:r="http://schemas.openxmlformats.org/officeDocument/2006/relationships" xmlns:p1510="http://schemas.microsoft.com/office/powerpoint/2015/10/main"/>
-</file>
-
 <file path=ppt/notesMasters/notesMaster1.xml><?xml version="1.0" encoding="utf-8"?>
 <p:notesMaster xmlns:a="http://schemas.openxmlformats.org/drawingml/2006/main" xmlns:r="http://schemas.openxmlformats.org/officeDocument/2006/relationships" xmlns:p="http://schemas.openxmlformats.org/presentationml/2006/main">
   <p:cSld>
@@ -207,7 +203,7 @@
           <a:p>
             <a:fld id="{14474580-E705-497F-81F5-51FD41071D64}" type="datetimeFigureOut">
               <a:rPr lang="en-US" smtClean="0"/>
-              <a:t>4/22/2019</a:t>
+              <a:t>5/10/2019</a:t>
             </a:fld>
             <a:endParaRPr lang="en-US"/>
           </a:p>
@@ -603,7 +599,7 @@
           <a:p>
             <a:fld id="{5075756A-E1AA-F843-BF52-05C1433C8A91}" type="datetimeFigureOut">
               <a:rPr lang="en-US" smtClean="0"/>
-              <a:t>4/22/2019</a:t>
+              <a:t>5/10/2019</a:t>
             </a:fld>
             <a:endParaRPr lang="en-US"/>
           </a:p>
@@ -771,7 +767,7 @@
           <a:p>
             <a:fld id="{5075756A-E1AA-F843-BF52-05C1433C8A91}" type="datetimeFigureOut">
               <a:rPr lang="en-US" smtClean="0"/>
-              <a:t>4/22/2019</a:t>
+              <a:t>5/10/2019</a:t>
             </a:fld>
             <a:endParaRPr lang="en-US"/>
           </a:p>
@@ -949,7 +945,7 @@
           <a:p>
             <a:fld id="{5075756A-E1AA-F843-BF52-05C1433C8A91}" type="datetimeFigureOut">
               <a:rPr lang="en-US" smtClean="0"/>
-              <a:t>4/22/2019</a:t>
+              <a:t>5/10/2019</a:t>
             </a:fld>
             <a:endParaRPr lang="en-US"/>
           </a:p>
@@ -1117,7 +1113,7 @@
           <a:p>
             <a:fld id="{5075756A-E1AA-F843-BF52-05C1433C8A91}" type="datetimeFigureOut">
               <a:rPr lang="en-US" smtClean="0"/>
-              <a:t>4/22/2019</a:t>
+              <a:t>5/10/2019</a:t>
             </a:fld>
             <a:endParaRPr lang="en-US"/>
           </a:p>
@@ -1362,7 +1358,7 @@
           <a:p>
             <a:fld id="{5075756A-E1AA-F843-BF52-05C1433C8A91}" type="datetimeFigureOut">
               <a:rPr lang="en-US" smtClean="0"/>
-              <a:t>4/22/2019</a:t>
+              <a:t>5/10/2019</a:t>
             </a:fld>
             <a:endParaRPr lang="en-US"/>
           </a:p>
@@ -1591,7 +1587,7 @@
           <a:p>
             <a:fld id="{5075756A-E1AA-F843-BF52-05C1433C8A91}" type="datetimeFigureOut">
               <a:rPr lang="en-US" smtClean="0"/>
-              <a:t>4/22/2019</a:t>
+              <a:t>5/10/2019</a:t>
             </a:fld>
             <a:endParaRPr lang="en-US"/>
           </a:p>
@@ -1955,7 +1951,7 @@
           <a:p>
             <a:fld id="{5075756A-E1AA-F843-BF52-05C1433C8A91}" type="datetimeFigureOut">
               <a:rPr lang="en-US" smtClean="0"/>
-              <a:t>4/22/2019</a:t>
+              <a:t>5/10/2019</a:t>
             </a:fld>
             <a:endParaRPr lang="en-US"/>
           </a:p>
@@ -2072,7 +2068,7 @@
           <a:p>
             <a:fld id="{5075756A-E1AA-F843-BF52-05C1433C8A91}" type="datetimeFigureOut">
               <a:rPr lang="en-US" smtClean="0"/>
-              <a:t>4/22/2019</a:t>
+              <a:t>5/10/2019</a:t>
             </a:fld>
             <a:endParaRPr lang="en-US"/>
           </a:p>
@@ -2167,7 +2163,7 @@
           <a:p>
             <a:fld id="{5075756A-E1AA-F843-BF52-05C1433C8A91}" type="datetimeFigureOut">
               <a:rPr lang="en-US" smtClean="0"/>
-              <a:t>4/22/2019</a:t>
+              <a:t>5/10/2019</a:t>
             </a:fld>
             <a:endParaRPr lang="en-US"/>
           </a:p>
@@ -2442,7 +2438,7 @@
           <a:p>
             <a:fld id="{5075756A-E1AA-F843-BF52-05C1433C8A91}" type="datetimeFigureOut">
               <a:rPr lang="en-US" smtClean="0"/>
-              <a:t>4/22/2019</a:t>
+              <a:t>5/10/2019</a:t>
             </a:fld>
             <a:endParaRPr lang="en-US"/>
           </a:p>
@@ -2694,7 +2690,7 @@
           <a:p>
             <a:fld id="{5075756A-E1AA-F843-BF52-05C1433C8A91}" type="datetimeFigureOut">
               <a:rPr lang="en-US" smtClean="0"/>
-              <a:t>4/22/2019</a:t>
+              <a:t>5/10/2019</a:t>
             </a:fld>
             <a:endParaRPr lang="en-US"/>
           </a:p>
@@ -2905,7 +2901,7 @@
           <a:p>
             <a:fld id="{5075756A-E1AA-F843-BF52-05C1433C8A91}" type="datetimeFigureOut">
               <a:rPr lang="en-US" smtClean="0"/>
-              <a:t>4/22/2019</a:t>
+              <a:t>5/10/2019</a:t>
             </a:fld>
             <a:endParaRPr lang="en-US"/>
           </a:p>
@@ -8510,9 +8506,6 @@
                   </a14:imgLayer>
                 </a14:imgProps>
               </a:ext>
-              <a:ext uri="{96DAC541-7B7A-43D3-8B79-37D633B846F1}">
-                <asvg:svgBlip xmlns:asvg="http://schemas.microsoft.com/office/drawing/2016/SVG/main" xmlns="" r:embed="rId4"/>
-              </a:ext>
             </a:extLst>
           </a:blip>
           <a:stretch>
@@ -8915,10 +8908,10 @@
           <p:nvPr/>
         </p:nvPicPr>
         <p:blipFill>
-          <a:blip r:embed="rId5">
+          <a:blip r:embed="rId4">
             <a:extLst>
               <a:ext uri="{96DAC541-7B7A-43D3-8B79-37D633B846F1}">
-                <asvg:svgBlip xmlns:asvg="http://schemas.microsoft.com/office/drawing/2016/SVG/main" xmlns="" r:embed="rId6"/>
+                <asvg:svgBlip xmlns:asvg="http://schemas.microsoft.com/office/drawing/2016/SVG/main" r:embed="rId5"/>
               </a:ext>
             </a:extLst>
           </a:blip>
@@ -8951,10 +8944,10 @@
           <p:nvPr/>
         </p:nvPicPr>
         <p:blipFill>
-          <a:blip r:embed="rId7">
+          <a:blip r:embed="rId6">
             <a:extLst>
               <a:ext uri="{96DAC541-7B7A-43D3-8B79-37D633B846F1}">
-                <asvg:svgBlip xmlns:asvg="http://schemas.microsoft.com/office/drawing/2016/SVG/main" xmlns="" r:embed="rId8"/>
+                <asvg:svgBlip xmlns:asvg="http://schemas.microsoft.com/office/drawing/2016/SVG/main" r:embed="rId7"/>
               </a:ext>
             </a:extLst>
           </a:blip>
@@ -8987,10 +8980,10 @@
           <p:nvPr/>
         </p:nvPicPr>
         <p:blipFill>
-          <a:blip r:embed="rId9">
+          <a:blip r:embed="rId8">
             <a:extLst>
               <a:ext uri="{96DAC541-7B7A-43D3-8B79-37D633B846F1}">
-                <asvg:svgBlip xmlns:asvg="http://schemas.microsoft.com/office/drawing/2016/SVG/main" xmlns="" r:embed="rId10"/>
+                <asvg:svgBlip xmlns:asvg="http://schemas.microsoft.com/office/drawing/2016/SVG/main" r:embed="rId9"/>
               </a:ext>
             </a:extLst>
           </a:blip>
@@ -9023,10 +9016,10 @@
           <p:nvPr/>
         </p:nvPicPr>
         <p:blipFill>
-          <a:blip r:embed="rId11">
+          <a:blip r:embed="rId10">
             <a:extLst>
               <a:ext uri="{96DAC541-7B7A-43D3-8B79-37D633B846F1}">
-                <asvg:svgBlip xmlns:asvg="http://schemas.microsoft.com/office/drawing/2016/SVG/main" xmlns="" r:embed="rId12"/>
+                <asvg:svgBlip xmlns:asvg="http://schemas.microsoft.com/office/drawing/2016/SVG/main" r:embed="rId11"/>
               </a:ext>
             </a:extLst>
           </a:blip>
@@ -9059,10 +9052,10 @@
           <p:nvPr/>
         </p:nvPicPr>
         <p:blipFill>
-          <a:blip r:embed="rId13">
+          <a:blip r:embed="rId12">
             <a:extLst>
               <a:ext uri="{96DAC541-7B7A-43D3-8B79-37D633B846F1}">
-                <asvg:svgBlip xmlns:asvg="http://schemas.microsoft.com/office/drawing/2016/SVG/main" xmlns="" r:embed="rId14"/>
+                <asvg:svgBlip xmlns:asvg="http://schemas.microsoft.com/office/drawing/2016/SVG/main" r:embed="rId13"/>
               </a:ext>
             </a:extLst>
           </a:blip>
@@ -9131,10 +9124,10 @@
           <p:nvPr/>
         </p:nvPicPr>
         <p:blipFill>
-          <a:blip r:embed="rId15">
+          <a:blip r:embed="rId14">
             <a:extLst>
               <a:ext uri="{96DAC541-7B7A-43D3-8B79-37D633B846F1}">
-                <asvg:svgBlip xmlns:asvg="http://schemas.microsoft.com/office/drawing/2016/SVG/main" xmlns="" r:embed="rId16"/>
+                <asvg:svgBlip xmlns:asvg="http://schemas.microsoft.com/office/drawing/2016/SVG/main" r:embed="rId15"/>
               </a:ext>
             </a:extLst>
           </a:blip>
@@ -9167,10 +9160,10 @@
           <p:nvPr/>
         </p:nvPicPr>
         <p:blipFill>
-          <a:blip r:embed="rId17">
+          <a:blip r:embed="rId16">
             <a:extLst>
               <a:ext uri="{96DAC541-7B7A-43D3-8B79-37D633B846F1}">
-                <asvg:svgBlip xmlns:asvg="http://schemas.microsoft.com/office/drawing/2016/SVG/main" xmlns="" r:embed="rId4"/>
+                <asvg:svgBlip xmlns:asvg="http://schemas.microsoft.com/office/drawing/2016/SVG/main" r:embed="rId17"/>
               </a:ext>
             </a:extLst>
           </a:blip>
@@ -9206,7 +9199,7 @@
           <a:blip r:embed="rId18">
             <a:extLst>
               <a:ext uri="{96DAC541-7B7A-43D3-8B79-37D633B846F1}">
-                <asvg:svgBlip xmlns:asvg="http://schemas.microsoft.com/office/drawing/2016/SVG/main" xmlns="" r:embed="rId19"/>
+                <asvg:svgBlip xmlns:asvg="http://schemas.microsoft.com/office/drawing/2016/SVG/main" r:embed="rId19"/>
               </a:ext>
             </a:extLst>
           </a:blip>
@@ -9314,7 +9307,7 @@
           <a:blip r:embed="rId20">
             <a:extLst>
               <a:ext uri="{96DAC541-7B7A-43D3-8B79-37D633B846F1}">
-                <asvg:svgBlip xmlns:asvg="http://schemas.microsoft.com/office/drawing/2016/SVG/main" xmlns="" r:embed="rId21"/>
+                <asvg:svgBlip xmlns:asvg="http://schemas.microsoft.com/office/drawing/2016/SVG/main" r:embed="rId21"/>
               </a:ext>
             </a:extLst>
           </a:blip>
@@ -9422,7 +9415,7 @@
           <a:blip r:embed="rId22">
             <a:extLst>
               <a:ext uri="{96DAC541-7B7A-43D3-8B79-37D633B846F1}">
-                <asvg:svgBlip xmlns:asvg="http://schemas.microsoft.com/office/drawing/2016/SVG/main" xmlns="" r:embed="rId23"/>
+                <asvg:svgBlip xmlns:asvg="http://schemas.microsoft.com/office/drawing/2016/SVG/main" r:embed="rId23"/>
               </a:ext>
             </a:extLst>
           </a:blip>
@@ -9494,7 +9487,7 @@
           <a:blip r:embed="rId24">
             <a:extLst>
               <a:ext uri="{96DAC541-7B7A-43D3-8B79-37D633B846F1}">
-                <asvg:svgBlip xmlns:asvg="http://schemas.microsoft.com/office/drawing/2016/SVG/main" xmlns="" r:embed="rId25"/>
+                <asvg:svgBlip xmlns:asvg="http://schemas.microsoft.com/office/drawing/2016/SVG/main" r:embed="rId25"/>
               </a:ext>
             </a:extLst>
           </a:blip>
@@ -9741,10 +9734,10 @@
           <p:nvPr/>
         </p:nvPicPr>
         <p:blipFill>
-          <a:blip r:embed="rId11">
+          <a:blip r:embed="rId10">
             <a:extLst>
               <a:ext uri="{96DAC541-7B7A-43D3-8B79-37D633B846F1}">
-                <asvg:svgBlip xmlns:asvg="http://schemas.microsoft.com/office/drawing/2016/SVG/main" xmlns="" r:embed="rId12"/>
+                <asvg:svgBlip xmlns:asvg="http://schemas.microsoft.com/office/drawing/2016/SVG/main" r:embed="rId11"/>
               </a:ext>
             </a:extLst>
           </a:blip>
@@ -9777,10 +9770,10 @@
           <p:nvPr/>
         </p:nvPicPr>
         <p:blipFill>
-          <a:blip r:embed="rId13">
+          <a:blip r:embed="rId12">
             <a:extLst>
               <a:ext uri="{96DAC541-7B7A-43D3-8B79-37D633B846F1}">
-                <asvg:svgBlip xmlns:asvg="http://schemas.microsoft.com/office/drawing/2016/SVG/main" xmlns="" r:embed="rId14"/>
+                <asvg:svgBlip xmlns:asvg="http://schemas.microsoft.com/office/drawing/2016/SVG/main" r:embed="rId13"/>
               </a:ext>
             </a:extLst>
           </a:blip>
@@ -9849,10 +9842,10 @@
           <p:nvPr/>
         </p:nvPicPr>
         <p:blipFill>
-          <a:blip r:embed="rId15">
+          <a:blip r:embed="rId14">
             <a:extLst>
               <a:ext uri="{96DAC541-7B7A-43D3-8B79-37D633B846F1}">
-                <asvg:svgBlip xmlns:asvg="http://schemas.microsoft.com/office/drawing/2016/SVG/main" xmlns="" r:embed="rId16"/>
+                <asvg:svgBlip xmlns:asvg="http://schemas.microsoft.com/office/drawing/2016/SVG/main" r:embed="rId15"/>
               </a:ext>
             </a:extLst>
           </a:blip>
@@ -9888,7 +9881,7 @@
           <a:blip r:embed="rId18">
             <a:extLst>
               <a:ext uri="{96DAC541-7B7A-43D3-8B79-37D633B846F1}">
-                <asvg:svgBlip xmlns:asvg="http://schemas.microsoft.com/office/drawing/2016/SVG/main" xmlns="" r:embed="rId19"/>
+                <asvg:svgBlip xmlns:asvg="http://schemas.microsoft.com/office/drawing/2016/SVG/main" r:embed="rId19"/>
               </a:ext>
             </a:extLst>
           </a:blip>
@@ -10317,7 +10310,7 @@
           <a:p>
             <a:pPr algn="l"/>
             <a:r>
-              <a:rPr lang="en-US" sz="1200" smtClean="0">
+              <a:rPr lang="en-US" sz="1200">
                 <a:ln w="0"/>
                 <a:solidFill>
                   <a:srgbClr val="1E8900"/>
@@ -10547,7 +10540,7 @@
           <a:blip r:embed="rId2">
             <a:extLst>
               <a:ext uri="{96DAC541-7B7A-43D3-8B79-37D633B846F1}">
-                <asvg:svgBlip xmlns:asvg="http://schemas.microsoft.com/office/drawing/2016/SVG/main" xmlns="" r:embed="rId8"/>
+                <asvg:svgBlip xmlns:asvg="http://schemas.microsoft.com/office/drawing/2016/SVG/main" r:embed="rId3"/>
               </a:ext>
             </a:extLst>
           </a:blip>
@@ -10580,10 +10573,10 @@
           <p:nvPr/>
         </p:nvPicPr>
         <p:blipFill>
-          <a:blip r:embed="rId9">
+          <a:blip r:embed="rId4">
             <a:extLst>
               <a:ext uri="{96DAC541-7B7A-43D3-8B79-37D633B846F1}">
-                <asvg:svgBlip xmlns:asvg="http://schemas.microsoft.com/office/drawing/2016/SVG/main" xmlns="" r:embed="rId10"/>
+                <asvg:svgBlip xmlns:asvg="http://schemas.microsoft.com/office/drawing/2016/SVG/main" r:embed="rId5"/>
               </a:ext>
             </a:extLst>
           </a:blip>
@@ -10616,10 +10609,10 @@
           <p:nvPr/>
         </p:nvPicPr>
         <p:blipFill>
-          <a:blip r:embed="rId11">
+          <a:blip r:embed="rId6">
             <a:extLst>
               <a:ext uri="{96DAC541-7B7A-43D3-8B79-37D633B846F1}">
-                <asvg:svgBlip xmlns:asvg="http://schemas.microsoft.com/office/drawing/2016/SVG/main" xmlns="" r:embed="rId14"/>
+                <asvg:svgBlip xmlns:asvg="http://schemas.microsoft.com/office/drawing/2016/SVG/main" r:embed="rId7"/>
               </a:ext>
             </a:extLst>
           </a:blip>
@@ -10667,17 +10660,16 @@
           <a:p>
             <a:pPr algn="ctr"/>
             <a:r>
-              <a:rPr lang="en-US" sz="1200" dirty="0" smtClean="0"/>
+              <a:rPr lang="en-US" sz="1200" dirty="0"/>
               <a:t>EBS 500 GB+</a:t>
             </a:r>
           </a:p>
           <a:p>
             <a:pPr algn="ctr"/>
             <a:r>
-              <a:rPr lang="en-US" sz="1200" dirty="0" smtClean="0"/>
+              <a:rPr lang="en-US" sz="1200" dirty="0"/>
               <a:t>User data</a:t>
             </a:r>
-            <a:endParaRPr lang="en-US" sz="1200" dirty="0"/>
           </a:p>
         </p:txBody>
       </p:sp>
@@ -10781,10 +10773,9 @@
           <a:p>
             <a:pPr algn="ctr"/>
             <a:r>
-              <a:rPr lang="en-US" sz="1200" dirty="0" smtClean="0"/>
+              <a:rPr lang="en-US" sz="1200" dirty="0"/>
               <a:t>CAS controller</a:t>
             </a:r>
-            <a:endParaRPr lang="en-US" sz="1200" dirty="0"/>
           </a:p>
         </p:txBody>
       </p:sp>
@@ -10818,17 +10809,16 @@
           <a:p>
             <a:pPr algn="ctr"/>
             <a:r>
-              <a:rPr lang="en-US" sz="1200" dirty="0" smtClean="0"/>
+              <a:rPr lang="en-US" sz="1200" dirty="0"/>
               <a:t>EBS 50 GB</a:t>
             </a:r>
           </a:p>
           <a:p>
             <a:pPr algn="ctr"/>
             <a:r>
-              <a:rPr lang="en-US" sz="1200" dirty="0" smtClean="0"/>
+              <a:rPr lang="en-US" sz="1200" dirty="0"/>
               <a:t>Install data</a:t>
             </a:r>
-            <a:endParaRPr lang="en-US" sz="1200" dirty="0"/>
           </a:p>
         </p:txBody>
       </p:sp>
@@ -10846,7 +10836,7 @@
         </p:nvSpPr>
         <p:spPr>
           <a:xfrm>
-            <a:off x="2749540" y="4645847"/>
+            <a:off x="2558055" y="4612720"/>
             <a:ext cx="1735812" cy="276999"/>
           </a:xfrm>
           <a:prstGeom prst="rect">
@@ -10863,13 +10853,8 @@
             <a:pPr algn="ctr"/>
             <a:r>
               <a:rPr lang="en-US" sz="1200" dirty="0"/>
-              <a:t>i</a:t>
+              <a:t>i3|r5</a:t>
             </a:r>
-            <a:r>
-              <a:rPr lang="en-US" sz="1200" dirty="0" smtClean="0"/>
-              <a:t>3|r4.2x|4x|8x|16xlarge</a:t>
-            </a:r>
-            <a:endParaRPr lang="en-US" sz="1200" dirty="0"/>
           </a:p>
         </p:txBody>
       </p:sp>
@@ -10973,10 +10958,9 @@
           <a:p>
             <a:pPr algn="ctr"/>
             <a:r>
-              <a:rPr lang="en-US" sz="1200" dirty="0" smtClean="0"/>
+              <a:rPr lang="en-US" sz="1200" dirty="0"/>
               <a:t>Viya services</a:t>
             </a:r>
-            <a:endParaRPr lang="en-US" sz="1200" dirty="0"/>
           </a:p>
         </p:txBody>
       </p:sp>
@@ -11010,10 +10994,9 @@
           <a:p>
             <a:pPr algn="ctr"/>
             <a:r>
-              <a:rPr lang="en-US" sz="1200" dirty="0" smtClean="0"/>
-              <a:t>r4.2x|4x|8xlarge</a:t>
+              <a:rPr lang="en-US" sz="1200" dirty="0"/>
+              <a:t>r5.2x|4x|8xlarge</a:t>
             </a:r>
-            <a:endParaRPr lang="en-US" sz="1200" dirty="0"/>
           </a:p>
         </p:txBody>
       </p:sp>
@@ -11047,24 +11030,23 @@
           <a:p>
             <a:pPr algn="ctr"/>
             <a:r>
-              <a:rPr lang="en-US" sz="1200" dirty="0" smtClean="0"/>
+              <a:rPr lang="en-US" sz="1200" dirty="0"/>
               <a:t>EBS 100 GB</a:t>
             </a:r>
           </a:p>
           <a:p>
             <a:pPr algn="ctr"/>
             <a:r>
-              <a:rPr lang="en-US" sz="1200" dirty="0" smtClean="0"/>
+              <a:rPr lang="en-US" sz="1200" dirty="0"/>
               <a:t>User data  </a:t>
             </a:r>
           </a:p>
           <a:p>
             <a:pPr algn="ctr"/>
             <a:r>
-              <a:rPr lang="en-US" sz="1200" dirty="0" smtClean="0"/>
+              <a:rPr lang="en-US" sz="1200" dirty="0"/>
               <a:t>Install data</a:t>
             </a:r>
-            <a:endParaRPr lang="en-US" sz="1200" dirty="0"/>
           </a:p>
         </p:txBody>
       </p:sp>
@@ -11098,10 +11080,9 @@
           <a:p>
             <a:pPr algn="ctr"/>
             <a:r>
-              <a:rPr lang="en-US" sz="1200" dirty="0" smtClean="0"/>
+              <a:rPr lang="en-US" sz="1200" dirty="0"/>
               <a:t>ssh</a:t>
             </a:r>
-            <a:endParaRPr lang="en-US" sz="1200" dirty="0"/>
           </a:p>
         </p:txBody>
       </p:sp>
@@ -11203,10 +11184,10 @@
             <p:nvPr/>
           </p:nvPicPr>
           <p:blipFill>
-            <a:blip r:embed="rId15">
+            <a:blip r:embed="rId8">
               <a:extLst>
                 <a:ext uri="{96DAC541-7B7A-43D3-8B79-37D633B846F1}">
-                  <asvg:svgBlip xmlns:asvg="http://schemas.microsoft.com/office/drawing/2016/SVG/main" xmlns="" r:embed="rId12"/>
+                  <asvg:svgBlip xmlns:asvg="http://schemas.microsoft.com/office/drawing/2016/SVG/main" r:embed="rId9"/>
                 </a:ext>
               </a:extLst>
             </a:blip>
@@ -11275,10 +11256,10 @@
             <p:nvPr/>
           </p:nvPicPr>
           <p:blipFill>
-            <a:blip r:embed="rId16">
+            <a:blip r:embed="rId10">
               <a:extLst>
                 <a:ext uri="{96DAC541-7B7A-43D3-8B79-37D633B846F1}">
-                  <asvg:svgBlip xmlns:asvg="http://schemas.microsoft.com/office/drawing/2016/SVG/main" xmlns="" r:embed="rId17"/>
+                  <asvg:svgBlip xmlns:asvg="http://schemas.microsoft.com/office/drawing/2016/SVG/main" r:embed="rId11"/>
                 </a:ext>
               </a:extLst>
             </a:blip>
@@ -11311,10 +11292,10 @@
             <p:nvPr/>
           </p:nvPicPr>
           <p:blipFill>
-            <a:blip r:embed="rId18">
+            <a:blip r:embed="rId12">
               <a:extLst>
                 <a:ext uri="{96DAC541-7B7A-43D3-8B79-37D633B846F1}">
-                  <asvg:svgBlip xmlns:asvg="http://schemas.microsoft.com/office/drawing/2016/SVG/main" xmlns="" r:embed="rId36"/>
+                  <asvg:svgBlip xmlns:asvg="http://schemas.microsoft.com/office/drawing/2016/SVG/main" r:embed="rId13"/>
                 </a:ext>
               </a:extLst>
             </a:blip>
@@ -11362,10 +11343,9 @@
             <a:p>
               <a:pPr algn="ctr"/>
               <a:r>
-                <a:rPr lang="en-US" sz="1200" dirty="0" smtClean="0"/>
+                <a:rPr lang="en-US" sz="1200" dirty="0"/>
                 <a:t>Ansible controller</a:t>
               </a:r>
-              <a:endParaRPr lang="en-US" sz="1200" dirty="0"/>
             </a:p>
           </p:txBody>
         </p:sp>
@@ -11385,10 +11365,10 @@
           <p:nvPr/>
         </p:nvPicPr>
         <p:blipFill>
-          <a:blip r:embed="rId18">
+          <a:blip r:embed="rId12">
             <a:extLst>
               <a:ext uri="{96DAC541-7B7A-43D3-8B79-37D633B846F1}">
-                <asvg:svgBlip xmlns:asvg="http://schemas.microsoft.com/office/drawing/2016/SVG/main" xmlns="" r:embed="rId36"/>
+                <asvg:svgBlip xmlns:asvg="http://schemas.microsoft.com/office/drawing/2016/SVG/main" r:embed="rId13"/>
               </a:ext>
             </a:extLst>
           </a:blip>
@@ -11421,10 +11401,10 @@
           <p:nvPr/>
         </p:nvPicPr>
         <p:blipFill>
-          <a:blip r:embed="rId37">
+          <a:blip r:embed="rId14">
             <a:extLst>
               <a:ext uri="{96DAC541-7B7A-43D3-8B79-37D633B846F1}">
-                <asvg:svgBlip xmlns:asvg="http://schemas.microsoft.com/office/drawing/2016/SVG/main" xmlns="" r:embed="rId7"/>
+                <asvg:svgBlip xmlns:asvg="http://schemas.microsoft.com/office/drawing/2016/SVG/main" r:embed="rId15"/>
               </a:ext>
             </a:extLst>
           </a:blip>
@@ -11457,10 +11437,10 @@
           <p:nvPr/>
         </p:nvPicPr>
         <p:blipFill>
-          <a:blip r:embed="rId37">
+          <a:blip r:embed="rId14">
             <a:extLst>
               <a:ext uri="{96DAC541-7B7A-43D3-8B79-37D633B846F1}">
-                <asvg:svgBlip xmlns:asvg="http://schemas.microsoft.com/office/drawing/2016/SVG/main" xmlns="" r:embed="rId7"/>
+                <asvg:svgBlip xmlns:asvg="http://schemas.microsoft.com/office/drawing/2016/SVG/main" r:embed="rId15"/>
               </a:ext>
             </a:extLst>
           </a:blip>
@@ -11493,10 +11473,10 @@
           <p:nvPr/>
         </p:nvPicPr>
         <p:blipFill>
-          <a:blip r:embed="rId37">
+          <a:blip r:embed="rId14">
             <a:extLst>
               <a:ext uri="{96DAC541-7B7A-43D3-8B79-37D633B846F1}">
-                <asvg:svgBlip xmlns:asvg="http://schemas.microsoft.com/office/drawing/2016/SVG/main" xmlns="" r:embed="rId7"/>
+                <asvg:svgBlip xmlns:asvg="http://schemas.microsoft.com/office/drawing/2016/SVG/main" r:embed="rId15"/>
               </a:ext>
             </a:extLst>
           </a:blip>
@@ -11529,10 +11509,10 @@
           <p:nvPr/>
         </p:nvPicPr>
         <p:blipFill>
-          <a:blip r:embed="rId18">
+          <a:blip r:embed="rId12">
             <a:extLst>
               <a:ext uri="{96DAC541-7B7A-43D3-8B79-37D633B846F1}">
-                <asvg:svgBlip xmlns:asvg="http://schemas.microsoft.com/office/drawing/2016/SVG/main" xmlns="" r:embed="rId36"/>
+                <asvg:svgBlip xmlns:asvg="http://schemas.microsoft.com/office/drawing/2016/SVG/main" r:embed="rId13"/>
               </a:ext>
             </a:extLst>
           </a:blip>
@@ -11565,10 +11545,10 @@
           <p:nvPr/>
         </p:nvPicPr>
         <p:blipFill>
-          <a:blip r:embed="rId38">
+          <a:blip r:embed="rId16">
             <a:extLst>
               <a:ext uri="{96DAC541-7B7A-43D3-8B79-37D633B846F1}">
-                <asvg:svgBlip xmlns:asvg="http://schemas.microsoft.com/office/drawing/2016/SVG/main" xmlns="" r:embed="rId27"/>
+                <asvg:svgBlip xmlns:asvg="http://schemas.microsoft.com/office/drawing/2016/SVG/main" r:embed="rId17"/>
               </a:ext>
             </a:extLst>
           </a:blip>
@@ -11601,10 +11581,10 @@
           <p:nvPr/>
         </p:nvPicPr>
         <p:blipFill>
-          <a:blip r:embed="rId38">
+          <a:blip r:embed="rId16">
             <a:extLst>
               <a:ext uri="{96DAC541-7B7A-43D3-8B79-37D633B846F1}">
-                <asvg:svgBlip xmlns:asvg="http://schemas.microsoft.com/office/drawing/2016/SVG/main" xmlns="" r:embed="rId27"/>
+                <asvg:svgBlip xmlns:asvg="http://schemas.microsoft.com/office/drawing/2016/SVG/main" r:embed="rId17"/>
               </a:ext>
             </a:extLst>
           </a:blip>
@@ -11637,10 +11617,10 @@
           <p:nvPr/>
         </p:nvPicPr>
         <p:blipFill>
-          <a:blip r:embed="rId39">
+          <a:blip r:embed="rId18">
             <a:extLst>
               <a:ext uri="{96DAC541-7B7A-43D3-8B79-37D633B846F1}">
-                <asvg:svgBlip xmlns:asvg="http://schemas.microsoft.com/office/drawing/2016/SVG/main" xmlns="" r:embed="rId40"/>
+                <asvg:svgBlip xmlns:asvg="http://schemas.microsoft.com/office/drawing/2016/SVG/main" r:embed="rId19"/>
               </a:ext>
             </a:extLst>
           </a:blip>
@@ -11686,21 +11666,8 @@
                   <a:srgbClr val="007DBC"/>
                 </a:solidFill>
               </a:rPr>
-              <a:t>Availability </a:t>
+              <a:t>Availability Zone</a:t>
             </a:r>
-            <a:r>
-              <a:rPr lang="en-US" sz="1200" dirty="0" smtClean="0">
-                <a:solidFill>
-                  <a:srgbClr val="007DBC"/>
-                </a:solidFill>
-              </a:rPr>
-              <a:t>Zone</a:t>
-            </a:r>
-            <a:endParaRPr lang="en-US" sz="1200" dirty="0">
-              <a:solidFill>
-                <a:srgbClr val="007DBC"/>
-              </a:solidFill>
-            </a:endParaRPr>
           </a:p>
         </p:txBody>
       </p:sp>
@@ -11756,18 +11723,13 @@
             <a:lstStyle/>
             <a:p>
               <a:r>
-                <a:rPr lang="en-US" sz="800" dirty="0" smtClean="0">
+                <a:rPr lang="en-US" sz="800" dirty="0">
                   <a:latin typeface="Verdana" panose="020B0604030504040204" pitchFamily="34" charset="0"/>
                   <a:ea typeface="Verdana" panose="020B0604030504040204" pitchFamily="34" charset="0"/>
                   <a:cs typeface="Verdana" panose="020B0604030504040204" pitchFamily="34" charset="0"/>
                 </a:rPr>
                 <a:t>Microservices</a:t>
               </a:r>
-              <a:endParaRPr lang="en-US" sz="800" dirty="0">
-                <a:latin typeface="Verdana" panose="020B0604030504040204" pitchFamily="34" charset="0"/>
-                <a:ea typeface="Verdana" panose="020B0604030504040204" pitchFamily="34" charset="0"/>
-                <a:cs typeface="Verdana" panose="020B0604030504040204" pitchFamily="34" charset="0"/>
-              </a:endParaRPr>
             </a:p>
           </p:txBody>
         </p:sp>
@@ -11809,18 +11771,13 @@
             <a:lstStyle/>
             <a:p>
               <a:r>
-                <a:rPr lang="en-US" sz="800" dirty="0" smtClean="0">
+                <a:rPr lang="en-US" sz="800" dirty="0">
                   <a:latin typeface="Verdana" panose="020B0604030504040204" pitchFamily="34" charset="0"/>
                   <a:ea typeface="Verdana" panose="020B0604030504040204" pitchFamily="34" charset="0"/>
                   <a:cs typeface="Verdana" panose="020B0604030504040204" pitchFamily="34" charset="0"/>
                 </a:rPr>
                 <a:t>Stateful services</a:t>
               </a:r>
-              <a:endParaRPr lang="en-US" sz="800" dirty="0">
-                <a:latin typeface="Verdana" panose="020B0604030504040204" pitchFamily="34" charset="0"/>
-                <a:ea typeface="Verdana" panose="020B0604030504040204" pitchFamily="34" charset="0"/>
-                <a:cs typeface="Verdana" panose="020B0604030504040204" pitchFamily="34" charset="0"/>
-              </a:endParaRPr>
             </a:p>
           </p:txBody>
         </p:sp>
@@ -11862,18 +11819,13 @@
             <a:lstStyle/>
             <a:p>
               <a:r>
-                <a:rPr lang="en-US" sz="800" dirty="0" smtClean="0">
+                <a:rPr lang="en-US" sz="800" dirty="0">
                   <a:latin typeface="Verdana" panose="020B0604030504040204" pitchFamily="34" charset="0"/>
                   <a:ea typeface="Verdana" panose="020B0604030504040204" pitchFamily="34" charset="0"/>
                   <a:cs typeface="Verdana" panose="020B0604030504040204" pitchFamily="34" charset="0"/>
                 </a:rPr>
                 <a:t>OpenLDAP server</a:t>
               </a:r>
-              <a:endParaRPr lang="en-US" sz="800" dirty="0">
-                <a:latin typeface="Verdana" panose="020B0604030504040204" pitchFamily="34" charset="0"/>
-                <a:ea typeface="Verdana" panose="020B0604030504040204" pitchFamily="34" charset="0"/>
-                <a:cs typeface="Verdana" panose="020B0604030504040204" pitchFamily="34" charset="0"/>
-              </a:endParaRPr>
             </a:p>
           </p:txBody>
         </p:sp>
@@ -12426,12 +12378,8 @@
           <a:p>
             <a:pPr algn="ctr"/>
             <a:r>
-              <a:rPr lang="en-US" sz="1200" dirty="0" smtClean="0"/>
-              <a:t>Internet </a:t>
-            </a:r>
-            <a:r>
               <a:rPr lang="en-US" sz="1200" dirty="0"/>
-              <a:t>gateway</a:t>
+              <a:t>Internet gateway</a:t>
             </a:r>
           </a:p>
         </p:txBody>
@@ -12451,10 +12399,10 @@
           <p:nvPr/>
         </p:nvPicPr>
         <p:blipFill>
-          <a:blip r:embed="rId41">
+          <a:blip r:embed="rId20">
             <a:extLst>
               <a:ext uri="{96DAC541-7B7A-43D3-8B79-37D633B846F1}">
-                <asvg:svgBlip xmlns:asvg="http://schemas.microsoft.com/office/drawing/2016/SVG/main" xmlns="" r:embed="rId5"/>
+                <asvg:svgBlip xmlns:asvg="http://schemas.microsoft.com/office/drawing/2016/SVG/main" r:embed="rId21"/>
               </a:ext>
             </a:extLst>
           </a:blip>
@@ -12496,24 +12444,15 @@
             <a:pPr algn="ctr"/>
             <a:r>
               <a:rPr lang="en-US" sz="1200" dirty="0"/>
-              <a:t>Elastic Load </a:t>
-            </a:r>
-            <a:r>
-              <a:rPr lang="en-US" sz="1200" dirty="0" smtClean="0"/>
-              <a:t>Balancing</a:t>
+              <a:t>Elastic Load Balancing</a:t>
             </a:r>
           </a:p>
           <a:p>
             <a:pPr algn="ctr"/>
             <a:r>
               <a:rPr lang="en-US" sz="1200" dirty="0"/>
-              <a:t>(ELB</a:t>
+              <a:t>(ELB)</a:t>
             </a:r>
-            <a:r>
-              <a:rPr lang="en-US" sz="1200" dirty="0" smtClean="0"/>
-              <a:t>)</a:t>
-            </a:r>
-            <a:endParaRPr lang="en-US" sz="1200" dirty="0"/>
           </a:p>
         </p:txBody>
       </p:sp>

--- a/Quick Start architecture diagram.pptx
+++ b/Quick Start architecture diagram.pptx
@@ -121,6 +121,43 @@
 </p:presentation>
 </file>
 
+<file path=ppt/revisionInfo.xml><?xml version="1.0" encoding="utf-8"?>
+<p1510:revInfo xmlns:a="http://schemas.openxmlformats.org/drawingml/2006/main" xmlns:r="http://schemas.openxmlformats.org/officeDocument/2006/relationships" xmlns:p1510="http://schemas.microsoft.com/office/powerpoint/2015/10/main">
+  <p1510:revLst>
+    <p1510:client id="{81A58218-7B43-499C-9ACF-37661D9BE3B7}" v="3" dt="2019-05-13T13:19:29.060"/>
+  </p1510:revLst>
+</p1510:revInfo>
+</file>
+
+<file path=ppt/changesInfos/changesInfo1.xml><?xml version="1.0" encoding="utf-8"?>
+<pc:chgInfo xmlns:a="http://schemas.openxmlformats.org/drawingml/2006/main" xmlns:r="http://schemas.openxmlformats.org/officeDocument/2006/relationships" xmlns:ac="http://schemas.microsoft.com/office/drawing/2013/main/command" xmlns:pc="http://schemas.microsoft.com/office/powerpoint/2013/main/command">
+  <pc:docChgLst>
+    <pc:chgData name="Penny Downey" userId="269f8e5d-b7d1-43a1-ad72-8f8fe7066423" providerId="ADAL" clId="{81A58218-7B43-499C-9ACF-37661D9BE3B7}"/>
+    <pc:docChg chg="modSld">
+      <pc:chgData name="Penny Downey" userId="269f8e5d-b7d1-43a1-ad72-8f8fe7066423" providerId="ADAL" clId="{81A58218-7B43-499C-9ACF-37661D9BE3B7}" dt="2019-05-13T13:19:29.060" v="2" actId="20577"/>
+      <pc:docMkLst>
+        <pc:docMk/>
+      </pc:docMkLst>
+      <pc:sldChg chg="modSp">
+        <pc:chgData name="Penny Downey" userId="269f8e5d-b7d1-43a1-ad72-8f8fe7066423" providerId="ADAL" clId="{81A58218-7B43-499C-9ACF-37661D9BE3B7}" dt="2019-05-13T13:19:29.060" v="2" actId="20577"/>
+        <pc:sldMkLst>
+          <pc:docMk/>
+          <pc:sldMk cId="3899542612" sldId="261"/>
+        </pc:sldMkLst>
+        <pc:spChg chg="mod">
+          <ac:chgData name="Penny Downey" userId="269f8e5d-b7d1-43a1-ad72-8f8fe7066423" providerId="ADAL" clId="{81A58218-7B43-499C-9ACF-37661D9BE3B7}" dt="2019-05-13T13:19:29.060" v="2" actId="20577"/>
+          <ac:spMkLst>
+            <pc:docMk/>
+            <pc:sldMk cId="3899542612" sldId="261"/>
+            <ac:spMk id="54" creationId="{E86B4EF8-8467-EA40-B547-0B08490E5C82}"/>
+          </ac:spMkLst>
+        </pc:spChg>
+      </pc:sldChg>
+    </pc:docChg>
+  </pc:docChgLst>
+</pc:chgInfo>
+</file>
+
 <file path=ppt/notesMasters/notesMaster1.xml><?xml version="1.0" encoding="utf-8"?>
 <p:notesMaster xmlns:a="http://schemas.openxmlformats.org/drawingml/2006/main" xmlns:r="http://schemas.openxmlformats.org/officeDocument/2006/relationships" xmlns:p="http://schemas.openxmlformats.org/presentationml/2006/main">
   <p:cSld>
@@ -203,7 +240,7 @@
           <a:p>
             <a:fld id="{14474580-E705-497F-81F5-51FD41071D64}" type="datetimeFigureOut">
               <a:rPr lang="en-US" smtClean="0"/>
-              <a:t>5/10/2019</a:t>
+              <a:t>5/13/2019</a:t>
             </a:fld>
             <a:endParaRPr lang="en-US"/>
           </a:p>
@@ -599,7 +636,7 @@
           <a:p>
             <a:fld id="{5075756A-E1AA-F843-BF52-05C1433C8A91}" type="datetimeFigureOut">
               <a:rPr lang="en-US" smtClean="0"/>
-              <a:t>5/10/2019</a:t>
+              <a:t>5/13/2019</a:t>
             </a:fld>
             <a:endParaRPr lang="en-US"/>
           </a:p>
@@ -767,7 +804,7 @@
           <a:p>
             <a:fld id="{5075756A-E1AA-F843-BF52-05C1433C8A91}" type="datetimeFigureOut">
               <a:rPr lang="en-US" smtClean="0"/>
-              <a:t>5/10/2019</a:t>
+              <a:t>5/13/2019</a:t>
             </a:fld>
             <a:endParaRPr lang="en-US"/>
           </a:p>
@@ -945,7 +982,7 @@
           <a:p>
             <a:fld id="{5075756A-E1AA-F843-BF52-05C1433C8A91}" type="datetimeFigureOut">
               <a:rPr lang="en-US" smtClean="0"/>
-              <a:t>5/10/2019</a:t>
+              <a:t>5/13/2019</a:t>
             </a:fld>
             <a:endParaRPr lang="en-US"/>
           </a:p>
@@ -1113,7 +1150,7 @@
           <a:p>
             <a:fld id="{5075756A-E1AA-F843-BF52-05C1433C8A91}" type="datetimeFigureOut">
               <a:rPr lang="en-US" smtClean="0"/>
-              <a:t>5/10/2019</a:t>
+              <a:t>5/13/2019</a:t>
             </a:fld>
             <a:endParaRPr lang="en-US"/>
           </a:p>
@@ -1358,7 +1395,7 @@
           <a:p>
             <a:fld id="{5075756A-E1AA-F843-BF52-05C1433C8A91}" type="datetimeFigureOut">
               <a:rPr lang="en-US" smtClean="0"/>
-              <a:t>5/10/2019</a:t>
+              <a:t>5/13/2019</a:t>
             </a:fld>
             <a:endParaRPr lang="en-US"/>
           </a:p>
@@ -1587,7 +1624,7 @@
           <a:p>
             <a:fld id="{5075756A-E1AA-F843-BF52-05C1433C8A91}" type="datetimeFigureOut">
               <a:rPr lang="en-US" smtClean="0"/>
-              <a:t>5/10/2019</a:t>
+              <a:t>5/13/2019</a:t>
             </a:fld>
             <a:endParaRPr lang="en-US"/>
           </a:p>
@@ -1951,7 +1988,7 @@
           <a:p>
             <a:fld id="{5075756A-E1AA-F843-BF52-05C1433C8A91}" type="datetimeFigureOut">
               <a:rPr lang="en-US" smtClean="0"/>
-              <a:t>5/10/2019</a:t>
+              <a:t>5/13/2019</a:t>
             </a:fld>
             <a:endParaRPr lang="en-US"/>
           </a:p>
@@ -2068,7 +2105,7 @@
           <a:p>
             <a:fld id="{5075756A-E1AA-F843-BF52-05C1433C8A91}" type="datetimeFigureOut">
               <a:rPr lang="en-US" smtClean="0"/>
-              <a:t>5/10/2019</a:t>
+              <a:t>5/13/2019</a:t>
             </a:fld>
             <a:endParaRPr lang="en-US"/>
           </a:p>
@@ -2163,7 +2200,7 @@
           <a:p>
             <a:fld id="{5075756A-E1AA-F843-BF52-05C1433C8A91}" type="datetimeFigureOut">
               <a:rPr lang="en-US" smtClean="0"/>
-              <a:t>5/10/2019</a:t>
+              <a:t>5/13/2019</a:t>
             </a:fld>
             <a:endParaRPr lang="en-US"/>
           </a:p>
@@ -2438,7 +2475,7 @@
           <a:p>
             <a:fld id="{5075756A-E1AA-F843-BF52-05C1433C8A91}" type="datetimeFigureOut">
               <a:rPr lang="en-US" smtClean="0"/>
-              <a:t>5/10/2019</a:t>
+              <a:t>5/13/2019</a:t>
             </a:fld>
             <a:endParaRPr lang="en-US"/>
           </a:p>
@@ -2690,7 +2727,7 @@
           <a:p>
             <a:fld id="{5075756A-E1AA-F843-BF52-05C1433C8A91}" type="datetimeFigureOut">
               <a:rPr lang="en-US" smtClean="0"/>
-              <a:t>5/10/2019</a:t>
+              <a:t>5/13/2019</a:t>
             </a:fld>
             <a:endParaRPr lang="en-US"/>
           </a:p>
@@ -2901,7 +2938,7 @@
           <a:p>
             <a:fld id="{5075756A-E1AA-F843-BF52-05C1433C8A91}" type="datetimeFigureOut">
               <a:rPr lang="en-US" smtClean="0"/>
-              <a:t>5/10/2019</a:t>
+              <a:t>5/13/2019</a:t>
             </a:fld>
             <a:endParaRPr lang="en-US"/>
           </a:p>
@@ -10995,8 +11032,13 @@
             <a:pPr algn="ctr"/>
             <a:r>
               <a:rPr lang="en-US" sz="1200" dirty="0"/>
-              <a:t>r5.2x|4x|8xlarge</a:t>
+              <a:t>r5.2x|</a:t>
             </a:r>
+            <a:r>
+              <a:rPr lang="en-US" sz="1200"/>
+              <a:t>4x|12xlarge</a:t>
+            </a:r>
+            <a:endParaRPr lang="en-US" sz="1200" dirty="0"/>
           </a:p>
         </p:txBody>
       </p:sp>

--- a/Quick Start architecture diagram.pptx
+++ b/Quick Start architecture diagram.pptx
@@ -124,7 +124,7 @@
 <file path=ppt/revisionInfo.xml><?xml version="1.0" encoding="utf-8"?>
 <p1510:revInfo xmlns:a="http://schemas.openxmlformats.org/drawingml/2006/main" xmlns:r="http://schemas.openxmlformats.org/officeDocument/2006/relationships" xmlns:p1510="http://schemas.microsoft.com/office/powerpoint/2015/10/main">
   <p1510:revLst>
-    <p1510:client id="{81A58218-7B43-499C-9ACF-37661D9BE3B7}" v="3" dt="2019-05-13T13:19:29.060"/>
+    <p1510:client id="{81A58218-7B43-499C-9ACF-37661D9BE3B7}" v="28" dt="2019-05-21T14:18:35.201"/>
   </p1510:revLst>
 </p1510:revInfo>
 </file>
@@ -133,19 +133,27 @@
 <pc:chgInfo xmlns:a="http://schemas.openxmlformats.org/drawingml/2006/main" xmlns:r="http://schemas.openxmlformats.org/officeDocument/2006/relationships" xmlns:ac="http://schemas.microsoft.com/office/drawing/2013/main/command" xmlns:pc="http://schemas.microsoft.com/office/powerpoint/2013/main/command">
   <pc:docChgLst>
     <pc:chgData name="Penny Downey" userId="269f8e5d-b7d1-43a1-ad72-8f8fe7066423" providerId="ADAL" clId="{81A58218-7B43-499C-9ACF-37661D9BE3B7}"/>
-    <pc:docChg chg="modSld">
-      <pc:chgData name="Penny Downey" userId="269f8e5d-b7d1-43a1-ad72-8f8fe7066423" providerId="ADAL" clId="{81A58218-7B43-499C-9ACF-37661D9BE3B7}" dt="2019-05-13T13:19:29.060" v="2" actId="20577"/>
+    <pc:docChg chg="custSel modSld">
+      <pc:chgData name="Penny Downey" userId="269f8e5d-b7d1-43a1-ad72-8f8fe7066423" providerId="ADAL" clId="{81A58218-7B43-499C-9ACF-37661D9BE3B7}" dt="2019-05-21T14:18:35.201" v="27" actId="6549"/>
       <pc:docMkLst>
         <pc:docMk/>
       </pc:docMkLst>
       <pc:sldChg chg="modSp">
-        <pc:chgData name="Penny Downey" userId="269f8e5d-b7d1-43a1-ad72-8f8fe7066423" providerId="ADAL" clId="{81A58218-7B43-499C-9ACF-37661D9BE3B7}" dt="2019-05-13T13:19:29.060" v="2" actId="20577"/>
+        <pc:chgData name="Penny Downey" userId="269f8e5d-b7d1-43a1-ad72-8f8fe7066423" providerId="ADAL" clId="{81A58218-7B43-499C-9ACF-37661D9BE3B7}" dt="2019-05-21T14:18:35.201" v="27" actId="6549"/>
         <pc:sldMkLst>
           <pc:docMk/>
           <pc:sldMk cId="3899542612" sldId="261"/>
         </pc:sldMkLst>
         <pc:spChg chg="mod">
-          <ac:chgData name="Penny Downey" userId="269f8e5d-b7d1-43a1-ad72-8f8fe7066423" providerId="ADAL" clId="{81A58218-7B43-499C-9ACF-37661D9BE3B7}" dt="2019-05-13T13:19:29.060" v="2" actId="20577"/>
+          <ac:chgData name="Penny Downey" userId="269f8e5d-b7d1-43a1-ad72-8f8fe7066423" providerId="ADAL" clId="{81A58218-7B43-499C-9ACF-37661D9BE3B7}" dt="2019-05-21T14:18:20.148" v="16" actId="20577"/>
+          <ac:spMkLst>
+            <pc:docMk/>
+            <pc:sldMk cId="3899542612" sldId="261"/>
+            <ac:spMk id="50" creationId="{E86B4EF8-8467-EA40-B547-0B08490E5C82}"/>
+          </ac:spMkLst>
+        </pc:spChg>
+        <pc:spChg chg="mod">
+          <ac:chgData name="Penny Downey" userId="269f8e5d-b7d1-43a1-ad72-8f8fe7066423" providerId="ADAL" clId="{81A58218-7B43-499C-9ACF-37661D9BE3B7}" dt="2019-05-21T14:18:35.201" v="27" actId="6549"/>
           <ac:spMkLst>
             <pc:docMk/>
             <pc:sldMk cId="3899542612" sldId="261"/>
@@ -240,7 +248,7 @@
           <a:p>
             <a:fld id="{14474580-E705-497F-81F5-51FD41071D64}" type="datetimeFigureOut">
               <a:rPr lang="en-US" smtClean="0"/>
-              <a:t>5/13/2019</a:t>
+              <a:t>5/21/2019</a:t>
             </a:fld>
             <a:endParaRPr lang="en-US"/>
           </a:p>
@@ -636,7 +644,7 @@
           <a:p>
             <a:fld id="{5075756A-E1AA-F843-BF52-05C1433C8A91}" type="datetimeFigureOut">
               <a:rPr lang="en-US" smtClean="0"/>
-              <a:t>5/13/2019</a:t>
+              <a:t>5/21/2019</a:t>
             </a:fld>
             <a:endParaRPr lang="en-US"/>
           </a:p>
@@ -804,7 +812,7 @@
           <a:p>
             <a:fld id="{5075756A-E1AA-F843-BF52-05C1433C8A91}" type="datetimeFigureOut">
               <a:rPr lang="en-US" smtClean="0"/>
-              <a:t>5/13/2019</a:t>
+              <a:t>5/21/2019</a:t>
             </a:fld>
             <a:endParaRPr lang="en-US"/>
           </a:p>
@@ -982,7 +990,7 @@
           <a:p>
             <a:fld id="{5075756A-E1AA-F843-BF52-05C1433C8A91}" type="datetimeFigureOut">
               <a:rPr lang="en-US" smtClean="0"/>
-              <a:t>5/13/2019</a:t>
+              <a:t>5/21/2019</a:t>
             </a:fld>
             <a:endParaRPr lang="en-US"/>
           </a:p>
@@ -1150,7 +1158,7 @@
           <a:p>
             <a:fld id="{5075756A-E1AA-F843-BF52-05C1433C8A91}" type="datetimeFigureOut">
               <a:rPr lang="en-US" smtClean="0"/>
-              <a:t>5/13/2019</a:t>
+              <a:t>5/21/2019</a:t>
             </a:fld>
             <a:endParaRPr lang="en-US"/>
           </a:p>
@@ -1395,7 +1403,7 @@
           <a:p>
             <a:fld id="{5075756A-E1AA-F843-BF52-05C1433C8A91}" type="datetimeFigureOut">
               <a:rPr lang="en-US" smtClean="0"/>
-              <a:t>5/13/2019</a:t>
+              <a:t>5/21/2019</a:t>
             </a:fld>
             <a:endParaRPr lang="en-US"/>
           </a:p>
@@ -1624,7 +1632,7 @@
           <a:p>
             <a:fld id="{5075756A-E1AA-F843-BF52-05C1433C8A91}" type="datetimeFigureOut">
               <a:rPr lang="en-US" smtClean="0"/>
-              <a:t>5/13/2019</a:t>
+              <a:t>5/21/2019</a:t>
             </a:fld>
             <a:endParaRPr lang="en-US"/>
           </a:p>
@@ -1988,7 +1996,7 @@
           <a:p>
             <a:fld id="{5075756A-E1AA-F843-BF52-05C1433C8A91}" type="datetimeFigureOut">
               <a:rPr lang="en-US" smtClean="0"/>
-              <a:t>5/13/2019</a:t>
+              <a:t>5/21/2019</a:t>
             </a:fld>
             <a:endParaRPr lang="en-US"/>
           </a:p>
@@ -2105,7 +2113,7 @@
           <a:p>
             <a:fld id="{5075756A-E1AA-F843-BF52-05C1433C8A91}" type="datetimeFigureOut">
               <a:rPr lang="en-US" smtClean="0"/>
-              <a:t>5/13/2019</a:t>
+              <a:t>5/21/2019</a:t>
             </a:fld>
             <a:endParaRPr lang="en-US"/>
           </a:p>
@@ -2200,7 +2208,7 @@
           <a:p>
             <a:fld id="{5075756A-E1AA-F843-BF52-05C1433C8A91}" type="datetimeFigureOut">
               <a:rPr lang="en-US" smtClean="0"/>
-              <a:t>5/13/2019</a:t>
+              <a:t>5/21/2019</a:t>
             </a:fld>
             <a:endParaRPr lang="en-US"/>
           </a:p>
@@ -2475,7 +2483,7 @@
           <a:p>
             <a:fld id="{5075756A-E1AA-F843-BF52-05C1433C8A91}" type="datetimeFigureOut">
               <a:rPr lang="en-US" smtClean="0"/>
-              <a:t>5/13/2019</a:t>
+              <a:t>5/21/2019</a:t>
             </a:fld>
             <a:endParaRPr lang="en-US"/>
           </a:p>
@@ -2727,7 +2735,7 @@
           <a:p>
             <a:fld id="{5075756A-E1AA-F843-BF52-05C1433C8A91}" type="datetimeFigureOut">
               <a:rPr lang="en-US" smtClean="0"/>
-              <a:t>5/13/2019</a:t>
+              <a:t>5/21/2019</a:t>
             </a:fld>
             <a:endParaRPr lang="en-US"/>
           </a:p>
@@ -2938,7 +2946,7 @@
           <a:p>
             <a:fld id="{5075756A-E1AA-F843-BF52-05C1433C8A91}" type="datetimeFigureOut">
               <a:rPr lang="en-US" smtClean="0"/>
-              <a:t>5/13/2019</a:t>
+              <a:t>5/21/2019</a:t>
             </a:fld>
             <a:endParaRPr lang="en-US"/>
           </a:p>
@@ -10890,7 +10898,7 @@
             <a:pPr algn="ctr"/>
             <a:r>
               <a:rPr lang="en-US" sz="1200" dirty="0"/>
-              <a:t>i3|r5</a:t>
+              <a:t>i3.4xlarge</a:t>
             </a:r>
           </a:p>
         </p:txBody>
@@ -11031,12 +11039,8 @@
           <a:p>
             <a:pPr algn="ctr"/>
             <a:r>
-              <a:rPr lang="en-US" sz="1200" dirty="0"/>
-              <a:t>r5.2x|</a:t>
-            </a:r>
-            <a:r>
               <a:rPr lang="en-US" sz="1200"/>
-              <a:t>4x|12xlarge</a:t>
+              <a:t>r5.4xlarge</a:t>
             </a:r>
             <a:endParaRPr lang="en-US" sz="1200" dirty="0"/>
           </a:p>
